--- a/01 Фатима Туталъ/Защита теория.pptx
+++ b/01 Фатима Туталъ/Защита теория.pptx
@@ -224,7 +224,7 @@
           <a:p>
             <a:fld id="{27D7545A-D08E-4DF5-A378-8809D7ECFDDE}" type="datetimeFigureOut">
               <a:rPr lang="bg-BG" smtClean="0"/>
-              <a:t>6.5.2024 г.</a:t>
+              <a:t>12.5.2024 г.</a:t>
             </a:fld>
             <a:endParaRPr lang="bg-BG"/>
           </a:p>
@@ -394,7 +394,7 @@
           <a:p>
             <a:fld id="{1F7D60EE-26AA-4C09-B55F-8384F76E341D}" type="datetimeFigureOut">
               <a:rPr lang="bg-BG" smtClean="0"/>
-              <a:t>6.5.2024 г.</a:t>
+              <a:t>12.5.2024 г.</a:t>
             </a:fld>
             <a:endParaRPr lang="bg-BG"/>
           </a:p>
@@ -663,6 +663,1108 @@
 </p:notesMaster>
 </file>
 
+<file path=ppt/notesSlides/notesSlide1.xml><?xml version="1.0" encoding="utf-8"?>
+<p:notes xmlns:a="http://schemas.openxmlformats.org/drawingml/2006/main" xmlns:r="http://schemas.openxmlformats.org/officeDocument/2006/relationships" xmlns:p="http://schemas.openxmlformats.org/presentationml/2006/main">
+  <p:cSld>
+    <p:spTree>
+      <p:nvGrpSpPr>
+        <p:cNvPr id="1" name=""/>
+        <p:cNvGrpSpPr/>
+        <p:nvPr/>
+      </p:nvGrpSpPr>
+      <p:grpSpPr>
+        <a:xfrm>
+          <a:off x="0" y="0"/>
+          <a:ext cx="0" cy="0"/>
+          <a:chOff x="0" y="0"/>
+          <a:chExt cx="0" cy="0"/>
+        </a:xfrm>
+      </p:grpSpPr>
+      <p:sp>
+        <p:nvSpPr>
+          <p:cNvPr id="2" name="Slide Image Placeholder 1"/>
+          <p:cNvSpPr>
+            <a:spLocks noGrp="1" noRot="1" noChangeAspect="1"/>
+          </p:cNvSpPr>
+          <p:nvPr>
+            <p:ph type="sldImg"/>
+          </p:nvPr>
+        </p:nvSpPr>
+        <p:spPr/>
+      </p:sp>
+      <p:sp>
+        <p:nvSpPr>
+          <p:cNvPr id="3" name="Notes Placeholder 2"/>
+          <p:cNvSpPr>
+            <a:spLocks noGrp="1"/>
+          </p:cNvSpPr>
+          <p:nvPr>
+            <p:ph type="body" idx="1"/>
+          </p:nvPr>
+        </p:nvSpPr>
+        <p:spPr/>
+        <p:txBody>
+          <a:bodyPr/>
+          <a:lstStyle/>
+          <a:p>
+            <a:r>
+              <a:rPr lang="ru-RU" dirty="0" smtClean="0"/>
+              <a:t>Уважаема г-жо Директор, Уважаема комисия,  уважаеми </a:t>
+            </a:r>
+            <a:endParaRPr lang="en-US" dirty="0" smtClean="0"/>
+          </a:p>
+          <a:p>
+            <a:r>
+              <a:rPr lang="ru-RU" dirty="0" smtClean="0"/>
+              <a:t>Аз съм </a:t>
+            </a:r>
+            <a:r>
+              <a:rPr lang="en-US" dirty="0" smtClean="0"/>
+              <a:t>…</a:t>
+            </a:r>
+            <a:r>
+              <a:rPr lang="ru-RU" dirty="0" smtClean="0"/>
+              <a:t>.</a:t>
+            </a:r>
+          </a:p>
+          <a:p>
+            <a:r>
+              <a:rPr lang="ru-RU" dirty="0" smtClean="0"/>
+              <a:t>Темата на моят дипломен проект е „Разработка на сайт на салон за красота с добавена функционалност за on-line резервиране на дата и час.“</a:t>
+            </a:r>
+          </a:p>
+          <a:p>
+            <a:endParaRPr lang="bg-BG" dirty="0"/>
+          </a:p>
+        </p:txBody>
+      </p:sp>
+      <p:sp>
+        <p:nvSpPr>
+          <p:cNvPr id="4" name="Header Placeholder 3"/>
+          <p:cNvSpPr>
+            <a:spLocks noGrp="1"/>
+          </p:cNvSpPr>
+          <p:nvPr>
+            <p:ph type="hdr" sz="quarter" idx="10"/>
+          </p:nvPr>
+        </p:nvSpPr>
+        <p:spPr/>
+        <p:txBody>
+          <a:bodyPr/>
+          <a:lstStyle/>
+          <a:p>
+            <a:r>
+              <a:rPr lang="ru-RU" smtClean="0"/>
+              <a:t>Държавен изпит за придобиване на трета степен на професионална квалификация – част по теория на професията</a:t>
+            </a:r>
+            <a:endParaRPr lang="bg-BG"/>
+          </a:p>
+        </p:txBody>
+      </p:sp>
+      <p:sp>
+        <p:nvSpPr>
+          <p:cNvPr id="5" name="Slide Number Placeholder 4"/>
+          <p:cNvSpPr>
+            <a:spLocks noGrp="1"/>
+          </p:cNvSpPr>
+          <p:nvPr>
+            <p:ph type="sldNum" sz="quarter" idx="11"/>
+          </p:nvPr>
+        </p:nvSpPr>
+        <p:spPr/>
+        <p:txBody>
+          <a:bodyPr/>
+          <a:lstStyle/>
+          <a:p>
+            <a:fld id="{C207A54E-596B-47A6-8C76-2A83CDB3619E}" type="slidenum">
+              <a:rPr lang="bg-BG" smtClean="0"/>
+              <a:t>1</a:t>
+            </a:fld>
+            <a:endParaRPr lang="bg-BG"/>
+          </a:p>
+        </p:txBody>
+      </p:sp>
+    </p:spTree>
+    <p:extLst>
+      <p:ext uri="{BB962C8B-B14F-4D97-AF65-F5344CB8AC3E}">
+        <p14:creationId xmlns:p14="http://schemas.microsoft.com/office/powerpoint/2010/main" val="2969029757"/>
+      </p:ext>
+    </p:extLst>
+  </p:cSld>
+  <p:clrMapOvr>
+    <a:masterClrMapping/>
+  </p:clrMapOvr>
+</p:notes>
+</file>
+
+<file path=ppt/notesSlides/notesSlide2.xml><?xml version="1.0" encoding="utf-8"?>
+<p:notes xmlns:a="http://schemas.openxmlformats.org/drawingml/2006/main" xmlns:r="http://schemas.openxmlformats.org/officeDocument/2006/relationships" xmlns:p="http://schemas.openxmlformats.org/presentationml/2006/main">
+  <p:cSld>
+    <p:spTree>
+      <p:nvGrpSpPr>
+        <p:cNvPr id="1" name=""/>
+        <p:cNvGrpSpPr/>
+        <p:nvPr/>
+      </p:nvGrpSpPr>
+      <p:grpSpPr>
+        <a:xfrm>
+          <a:off x="0" y="0"/>
+          <a:ext cx="0" cy="0"/>
+          <a:chOff x="0" y="0"/>
+          <a:chExt cx="0" cy="0"/>
+        </a:xfrm>
+      </p:grpSpPr>
+      <p:sp>
+        <p:nvSpPr>
+          <p:cNvPr id="2" name="Slide Image Placeholder 1"/>
+          <p:cNvSpPr>
+            <a:spLocks noGrp="1" noRot="1" noChangeAspect="1"/>
+          </p:cNvSpPr>
+          <p:nvPr>
+            <p:ph type="sldImg"/>
+          </p:nvPr>
+        </p:nvSpPr>
+        <p:spPr/>
+      </p:sp>
+      <p:sp>
+        <p:nvSpPr>
+          <p:cNvPr id="3" name="Notes Placeholder 2"/>
+          <p:cNvSpPr>
+            <a:spLocks noGrp="1"/>
+          </p:cNvSpPr>
+          <p:nvPr>
+            <p:ph type="body" idx="1"/>
+          </p:nvPr>
+        </p:nvSpPr>
+        <p:spPr/>
+        <p:txBody>
+          <a:bodyPr/>
+          <a:lstStyle/>
+          <a:p>
+            <a:r>
+              <a:rPr lang="ru-RU" dirty="0" smtClean="0"/>
+              <a:t>Би било много трудно, ако не и невъзможно, да се разработи универсален сайт по дадена тема. А и не e нужно. Затова заданието на моят проект предполага, че един конкрететен, макар и въображаем, салон за красота, наречен  ,,Blooms by beauty” иска да направи свой собствен сайт. Този сайт не само ще представи предлаганите в салона услуги, но и ще има възможност за записване на часове on-line.</a:t>
+            </a:r>
+          </a:p>
+          <a:p>
+            <a:r>
+              <a:rPr lang="ru-RU" dirty="0" smtClean="0"/>
+              <a:t>Запазването на часове онлайн има множество предимства, които правят тези системи ефективен и удобен инструмент както за клиентите, така и за бизнеса.</a:t>
+            </a:r>
+          </a:p>
+          <a:p>
+            <a:endParaRPr lang="bg-BG" dirty="0"/>
+          </a:p>
+        </p:txBody>
+      </p:sp>
+      <p:sp>
+        <p:nvSpPr>
+          <p:cNvPr id="4" name="Header Placeholder 3"/>
+          <p:cNvSpPr>
+            <a:spLocks noGrp="1"/>
+          </p:cNvSpPr>
+          <p:nvPr>
+            <p:ph type="hdr" sz="quarter" idx="10"/>
+          </p:nvPr>
+        </p:nvSpPr>
+        <p:spPr/>
+        <p:txBody>
+          <a:bodyPr/>
+          <a:lstStyle/>
+          <a:p>
+            <a:r>
+              <a:rPr lang="ru-RU" smtClean="0"/>
+              <a:t>Държавен изпит за придобиване на трета степен на професионална квалификация – част по теория на професията</a:t>
+            </a:r>
+            <a:endParaRPr lang="bg-BG"/>
+          </a:p>
+        </p:txBody>
+      </p:sp>
+      <p:sp>
+        <p:nvSpPr>
+          <p:cNvPr id="5" name="Slide Number Placeholder 4"/>
+          <p:cNvSpPr>
+            <a:spLocks noGrp="1"/>
+          </p:cNvSpPr>
+          <p:nvPr>
+            <p:ph type="sldNum" sz="quarter" idx="11"/>
+          </p:nvPr>
+        </p:nvSpPr>
+        <p:spPr/>
+        <p:txBody>
+          <a:bodyPr/>
+          <a:lstStyle/>
+          <a:p>
+            <a:fld id="{C207A54E-596B-47A6-8C76-2A83CDB3619E}" type="slidenum">
+              <a:rPr lang="bg-BG" smtClean="0"/>
+              <a:t>2</a:t>
+            </a:fld>
+            <a:endParaRPr lang="bg-BG"/>
+          </a:p>
+        </p:txBody>
+      </p:sp>
+    </p:spTree>
+    <p:extLst>
+      <p:ext uri="{BB962C8B-B14F-4D97-AF65-F5344CB8AC3E}">
+        <p14:creationId xmlns:p14="http://schemas.microsoft.com/office/powerpoint/2010/main" val="2988311595"/>
+      </p:ext>
+    </p:extLst>
+  </p:cSld>
+  <p:clrMapOvr>
+    <a:masterClrMapping/>
+  </p:clrMapOvr>
+</p:notes>
+</file>
+
+<file path=ppt/notesSlides/notesSlide3.xml><?xml version="1.0" encoding="utf-8"?>
+<p:notes xmlns:a="http://schemas.openxmlformats.org/drawingml/2006/main" xmlns:r="http://schemas.openxmlformats.org/officeDocument/2006/relationships" xmlns:p="http://schemas.openxmlformats.org/presentationml/2006/main">
+  <p:cSld>
+    <p:spTree>
+      <p:nvGrpSpPr>
+        <p:cNvPr id="1" name=""/>
+        <p:cNvGrpSpPr/>
+        <p:nvPr/>
+      </p:nvGrpSpPr>
+      <p:grpSpPr>
+        <a:xfrm>
+          <a:off x="0" y="0"/>
+          <a:ext cx="0" cy="0"/>
+          <a:chOff x="0" y="0"/>
+          <a:chExt cx="0" cy="0"/>
+        </a:xfrm>
+      </p:grpSpPr>
+      <p:sp>
+        <p:nvSpPr>
+          <p:cNvPr id="2" name="Slide Image Placeholder 1"/>
+          <p:cNvSpPr>
+            <a:spLocks noGrp="1" noRot="1" noChangeAspect="1"/>
+          </p:cNvSpPr>
+          <p:nvPr>
+            <p:ph type="sldImg"/>
+          </p:nvPr>
+        </p:nvSpPr>
+        <p:spPr/>
+      </p:sp>
+      <p:sp>
+        <p:nvSpPr>
+          <p:cNvPr id="3" name="Notes Placeholder 2"/>
+          <p:cNvSpPr>
+            <a:spLocks noGrp="1"/>
+          </p:cNvSpPr>
+          <p:nvPr>
+            <p:ph type="body" idx="1"/>
+          </p:nvPr>
+        </p:nvSpPr>
+        <p:spPr/>
+        <p:txBody>
+          <a:bodyPr/>
+          <a:lstStyle/>
+          <a:p>
+            <a:r>
+              <a:rPr lang="ru-RU" dirty="0" smtClean="0"/>
+              <a:t>Дизайнът на World Wide Web води своето начало от статични,  ръчно кодирани HTML текстови файлове, публикувани на уеб сървъри . Но още през далечната 1995 г. се появяват първите интегрирани езикови среди за разработка като PHP и Active Server Pages . </a:t>
+            </a:r>
+          </a:p>
+          <a:p>
+            <a:r>
+              <a:rPr lang="ru-RU" dirty="0" smtClean="0"/>
+              <a:t>По-голямата част от езиците за създаване на динамични уеб страници имат библиотеки, които да помогнат при общите задачи, но това не е достатъчно. Затова се появяват т.н frameworks – софтуерни рамки, които събират множество библиотеки и инструменти  в един компактен софтуерен стек , който да използват уеб разработчиците. </a:t>
+            </a:r>
+          </a:p>
+          <a:p>
+            <a:r>
+              <a:rPr lang="ru-RU" dirty="0" smtClean="0"/>
+              <a:t>По-известните са: CakePHP, Laravel, Zend Framework, Ruby on Rails и др.</a:t>
+            </a:r>
+          </a:p>
+          <a:p>
+            <a:endParaRPr lang="bg-BG" dirty="0"/>
+          </a:p>
+        </p:txBody>
+      </p:sp>
+      <p:sp>
+        <p:nvSpPr>
+          <p:cNvPr id="4" name="Header Placeholder 3"/>
+          <p:cNvSpPr>
+            <a:spLocks noGrp="1"/>
+          </p:cNvSpPr>
+          <p:nvPr>
+            <p:ph type="hdr" sz="quarter" idx="10"/>
+          </p:nvPr>
+        </p:nvSpPr>
+        <p:spPr/>
+        <p:txBody>
+          <a:bodyPr/>
+          <a:lstStyle/>
+          <a:p>
+            <a:r>
+              <a:rPr lang="ru-RU" smtClean="0"/>
+              <a:t>Държавен изпит за придобиване на трета степен на професионална квалификация – част по теория на професията</a:t>
+            </a:r>
+            <a:endParaRPr lang="bg-BG"/>
+          </a:p>
+        </p:txBody>
+      </p:sp>
+      <p:sp>
+        <p:nvSpPr>
+          <p:cNvPr id="5" name="Slide Number Placeholder 4"/>
+          <p:cNvSpPr>
+            <a:spLocks noGrp="1"/>
+          </p:cNvSpPr>
+          <p:nvPr>
+            <p:ph type="sldNum" sz="quarter" idx="11"/>
+          </p:nvPr>
+        </p:nvSpPr>
+        <p:spPr/>
+        <p:txBody>
+          <a:bodyPr/>
+          <a:lstStyle/>
+          <a:p>
+            <a:fld id="{C207A54E-596B-47A6-8C76-2A83CDB3619E}" type="slidenum">
+              <a:rPr lang="bg-BG" smtClean="0"/>
+              <a:t>3</a:t>
+            </a:fld>
+            <a:endParaRPr lang="bg-BG"/>
+          </a:p>
+        </p:txBody>
+      </p:sp>
+    </p:spTree>
+    <p:extLst>
+      <p:ext uri="{BB962C8B-B14F-4D97-AF65-F5344CB8AC3E}">
+        <p14:creationId xmlns:p14="http://schemas.microsoft.com/office/powerpoint/2010/main" val="50577859"/>
+      </p:ext>
+    </p:extLst>
+  </p:cSld>
+  <p:clrMapOvr>
+    <a:masterClrMapping/>
+  </p:clrMapOvr>
+</p:notes>
+</file>
+
+<file path=ppt/notesSlides/notesSlide4.xml><?xml version="1.0" encoding="utf-8"?>
+<p:notes xmlns:a="http://schemas.openxmlformats.org/drawingml/2006/main" xmlns:r="http://schemas.openxmlformats.org/officeDocument/2006/relationships" xmlns:p="http://schemas.openxmlformats.org/presentationml/2006/main">
+  <p:cSld>
+    <p:spTree>
+      <p:nvGrpSpPr>
+        <p:cNvPr id="1" name=""/>
+        <p:cNvGrpSpPr/>
+        <p:nvPr/>
+      </p:nvGrpSpPr>
+      <p:grpSpPr>
+        <a:xfrm>
+          <a:off x="0" y="0"/>
+          <a:ext cx="0" cy="0"/>
+          <a:chOff x="0" y="0"/>
+          <a:chExt cx="0" cy="0"/>
+        </a:xfrm>
+      </p:grpSpPr>
+      <p:sp>
+        <p:nvSpPr>
+          <p:cNvPr id="2" name="Slide Image Placeholder 1"/>
+          <p:cNvSpPr>
+            <a:spLocks noGrp="1" noRot="1" noChangeAspect="1"/>
+          </p:cNvSpPr>
+          <p:nvPr>
+            <p:ph type="sldImg"/>
+          </p:nvPr>
+        </p:nvSpPr>
+        <p:spPr/>
+      </p:sp>
+      <p:sp>
+        <p:nvSpPr>
+          <p:cNvPr id="3" name="Notes Placeholder 2"/>
+          <p:cNvSpPr>
+            <a:spLocks noGrp="1"/>
+          </p:cNvSpPr>
+          <p:nvPr>
+            <p:ph type="body" idx="1"/>
+          </p:nvPr>
+        </p:nvSpPr>
+        <p:spPr/>
+        <p:txBody>
+          <a:bodyPr/>
+          <a:lstStyle/>
+          <a:p>
+            <a:r>
+              <a:rPr lang="ru-RU" dirty="0" smtClean="0"/>
+              <a:t>Един от най-популярните в момента езици за програмиране в момента е Python. Той успешно се използва и за разработването на динамични сайтове и уеб приложения. И, естествено, има своите софтуерни рамки. И не една.</a:t>
+            </a:r>
+          </a:p>
+          <a:p>
+            <a:r>
+              <a:rPr lang="ru-RU" dirty="0" smtClean="0"/>
+              <a:t>Такива са Web2Py, Flask, Esmerald и др.</a:t>
+            </a:r>
+          </a:p>
+          <a:p>
+            <a:r>
+              <a:rPr lang="ru-RU" dirty="0" smtClean="0"/>
+              <a:t>И, естествено, Django. Той доминира в ИТ индустрията през последните 10-15 години. Създаден е през 2005 година, първата стабилна версия е пусната през 2008 година. Оттогава той е станал една от най-популярните платформи за уеб разработка в света.</a:t>
+            </a:r>
+          </a:p>
+          <a:p>
+            <a:endParaRPr lang="bg-BG" dirty="0"/>
+          </a:p>
+        </p:txBody>
+      </p:sp>
+      <p:sp>
+        <p:nvSpPr>
+          <p:cNvPr id="4" name="Header Placeholder 3"/>
+          <p:cNvSpPr>
+            <a:spLocks noGrp="1"/>
+          </p:cNvSpPr>
+          <p:nvPr>
+            <p:ph type="hdr" sz="quarter" idx="10"/>
+          </p:nvPr>
+        </p:nvSpPr>
+        <p:spPr/>
+        <p:txBody>
+          <a:bodyPr/>
+          <a:lstStyle/>
+          <a:p>
+            <a:r>
+              <a:rPr lang="ru-RU" smtClean="0"/>
+              <a:t>Държавен изпит за придобиване на трета степен на професионална квалификация – част по теория на професията</a:t>
+            </a:r>
+            <a:endParaRPr lang="bg-BG"/>
+          </a:p>
+        </p:txBody>
+      </p:sp>
+      <p:sp>
+        <p:nvSpPr>
+          <p:cNvPr id="5" name="Slide Number Placeholder 4"/>
+          <p:cNvSpPr>
+            <a:spLocks noGrp="1"/>
+          </p:cNvSpPr>
+          <p:nvPr>
+            <p:ph type="sldNum" sz="quarter" idx="11"/>
+          </p:nvPr>
+        </p:nvSpPr>
+        <p:spPr/>
+        <p:txBody>
+          <a:bodyPr/>
+          <a:lstStyle/>
+          <a:p>
+            <a:fld id="{C207A54E-596B-47A6-8C76-2A83CDB3619E}" type="slidenum">
+              <a:rPr lang="bg-BG" smtClean="0"/>
+              <a:t>4</a:t>
+            </a:fld>
+            <a:endParaRPr lang="bg-BG"/>
+          </a:p>
+        </p:txBody>
+      </p:sp>
+    </p:spTree>
+    <p:extLst>
+      <p:ext uri="{BB962C8B-B14F-4D97-AF65-F5344CB8AC3E}">
+        <p14:creationId xmlns:p14="http://schemas.microsoft.com/office/powerpoint/2010/main" val="3626955359"/>
+      </p:ext>
+    </p:extLst>
+  </p:cSld>
+  <p:clrMapOvr>
+    <a:masterClrMapping/>
+  </p:clrMapOvr>
+</p:notes>
+</file>
+
+<file path=ppt/notesSlides/notesSlide5.xml><?xml version="1.0" encoding="utf-8"?>
+<p:notes xmlns:a="http://schemas.openxmlformats.org/drawingml/2006/main" xmlns:r="http://schemas.openxmlformats.org/officeDocument/2006/relationships" xmlns:p="http://schemas.openxmlformats.org/presentationml/2006/main">
+  <p:cSld>
+    <p:spTree>
+      <p:nvGrpSpPr>
+        <p:cNvPr id="1" name=""/>
+        <p:cNvGrpSpPr/>
+        <p:nvPr/>
+      </p:nvGrpSpPr>
+      <p:grpSpPr>
+        <a:xfrm>
+          <a:off x="0" y="0"/>
+          <a:ext cx="0" cy="0"/>
+          <a:chOff x="0" y="0"/>
+          <a:chExt cx="0" cy="0"/>
+        </a:xfrm>
+      </p:grpSpPr>
+      <p:sp>
+        <p:nvSpPr>
+          <p:cNvPr id="2" name="Slide Image Placeholder 1"/>
+          <p:cNvSpPr>
+            <a:spLocks noGrp="1" noRot="1" noChangeAspect="1"/>
+          </p:cNvSpPr>
+          <p:nvPr>
+            <p:ph type="sldImg"/>
+          </p:nvPr>
+        </p:nvSpPr>
+        <p:spPr/>
+      </p:sp>
+      <p:sp>
+        <p:nvSpPr>
+          <p:cNvPr id="3" name="Notes Placeholder 2"/>
+          <p:cNvSpPr>
+            <a:spLocks noGrp="1"/>
+          </p:cNvSpPr>
+          <p:nvPr>
+            <p:ph type="body" idx="1"/>
+          </p:nvPr>
+        </p:nvSpPr>
+        <p:spPr/>
+        <p:txBody>
+          <a:bodyPr/>
+          <a:lstStyle/>
+          <a:p>
+            <a:r>
+              <a:rPr lang="ru-RU" dirty="0" smtClean="0"/>
+              <a:t>Това, което вижда потребителят е резултат от работата на бакенд софтуера, но пристига до него под формата на HTML документи. </a:t>
+            </a:r>
+          </a:p>
+          <a:p>
+            <a:r>
+              <a:rPr lang="ru-RU" dirty="0" smtClean="0"/>
+              <a:t>HTML е стандартен език за оформление на уеб Актуалната версия е HTML5.</a:t>
+            </a:r>
+          </a:p>
+          <a:p>
+            <a:r>
+              <a:rPr lang="ru-RU" dirty="0" smtClean="0"/>
+              <a:t>HTML е използван в комбинация с други технологии като CSS и JavaScript, за да се създадат интерактивни уеб страници и уеб приложения. CSS се използва за оформление на уеб страници, като определя външния вид на елементите, а JavaScript се използва за създаване на динамични ефекти, като например форми за вход или анимации на страници.</a:t>
+            </a:r>
+          </a:p>
+          <a:p>
+            <a:endParaRPr lang="bg-BG" dirty="0"/>
+          </a:p>
+        </p:txBody>
+      </p:sp>
+      <p:sp>
+        <p:nvSpPr>
+          <p:cNvPr id="4" name="Header Placeholder 3"/>
+          <p:cNvSpPr>
+            <a:spLocks noGrp="1"/>
+          </p:cNvSpPr>
+          <p:nvPr>
+            <p:ph type="hdr" sz="quarter" idx="10"/>
+          </p:nvPr>
+        </p:nvSpPr>
+        <p:spPr/>
+        <p:txBody>
+          <a:bodyPr/>
+          <a:lstStyle/>
+          <a:p>
+            <a:r>
+              <a:rPr lang="ru-RU" smtClean="0"/>
+              <a:t>Държавен изпит за придобиване на трета степен на професионална квалификация – част по теория на професията</a:t>
+            </a:r>
+            <a:endParaRPr lang="bg-BG"/>
+          </a:p>
+        </p:txBody>
+      </p:sp>
+      <p:sp>
+        <p:nvSpPr>
+          <p:cNvPr id="5" name="Slide Number Placeholder 4"/>
+          <p:cNvSpPr>
+            <a:spLocks noGrp="1"/>
+          </p:cNvSpPr>
+          <p:nvPr>
+            <p:ph type="sldNum" sz="quarter" idx="11"/>
+          </p:nvPr>
+        </p:nvSpPr>
+        <p:spPr/>
+        <p:txBody>
+          <a:bodyPr/>
+          <a:lstStyle/>
+          <a:p>
+            <a:fld id="{C207A54E-596B-47A6-8C76-2A83CDB3619E}" type="slidenum">
+              <a:rPr lang="bg-BG" smtClean="0"/>
+              <a:t>5</a:t>
+            </a:fld>
+            <a:endParaRPr lang="bg-BG"/>
+          </a:p>
+        </p:txBody>
+      </p:sp>
+    </p:spTree>
+    <p:extLst>
+      <p:ext uri="{BB962C8B-B14F-4D97-AF65-F5344CB8AC3E}">
+        <p14:creationId xmlns:p14="http://schemas.microsoft.com/office/powerpoint/2010/main" val="4154362941"/>
+      </p:ext>
+    </p:extLst>
+  </p:cSld>
+  <p:clrMapOvr>
+    <a:masterClrMapping/>
+  </p:clrMapOvr>
+</p:notes>
+</file>
+
+<file path=ppt/notesSlides/notesSlide6.xml><?xml version="1.0" encoding="utf-8"?>
+<p:notes xmlns:a="http://schemas.openxmlformats.org/drawingml/2006/main" xmlns:r="http://schemas.openxmlformats.org/officeDocument/2006/relationships" xmlns:p="http://schemas.openxmlformats.org/presentationml/2006/main">
+  <p:cSld>
+    <p:spTree>
+      <p:nvGrpSpPr>
+        <p:cNvPr id="1" name=""/>
+        <p:cNvGrpSpPr/>
+        <p:nvPr/>
+      </p:nvGrpSpPr>
+      <p:grpSpPr>
+        <a:xfrm>
+          <a:off x="0" y="0"/>
+          <a:ext cx="0" cy="0"/>
+          <a:chOff x="0" y="0"/>
+          <a:chExt cx="0" cy="0"/>
+        </a:xfrm>
+      </p:grpSpPr>
+      <p:sp>
+        <p:nvSpPr>
+          <p:cNvPr id="2" name="Slide Image Placeholder 1"/>
+          <p:cNvSpPr>
+            <a:spLocks noGrp="1" noRot="1" noChangeAspect="1"/>
+          </p:cNvSpPr>
+          <p:nvPr>
+            <p:ph type="sldImg"/>
+          </p:nvPr>
+        </p:nvSpPr>
+        <p:spPr/>
+      </p:sp>
+      <p:sp>
+        <p:nvSpPr>
+          <p:cNvPr id="3" name="Notes Placeholder 2"/>
+          <p:cNvSpPr>
+            <a:spLocks noGrp="1"/>
+          </p:cNvSpPr>
+          <p:nvPr>
+            <p:ph type="body" idx="1"/>
+          </p:nvPr>
+        </p:nvSpPr>
+        <p:spPr/>
+        <p:txBody>
+          <a:bodyPr/>
+          <a:lstStyle/>
+          <a:p>
+            <a:r>
+              <a:rPr lang="ru-RU" dirty="0" smtClean="0"/>
+              <a:t>Заданието за дипломния проект всъщност означава, че трябва да се разработи  динамичен информационен сайт. Информационен, защото по задание трябва да има няколко страници и да предлага информацция за салона. Динамичен – защото предлаганата информация може да се променя, бе за да се прекодира самото приложение. </a:t>
+            </a:r>
+          </a:p>
+          <a:p>
+            <a:r>
+              <a:rPr lang="ru-RU" dirty="0" smtClean="0"/>
+              <a:t>Със сигурност има различни начини, средства и технологии за решаване на поставената задача. Но моят избор е Python, Django и Bootstrap.</a:t>
+            </a:r>
+          </a:p>
+          <a:p>
+            <a:endParaRPr lang="bg-BG" dirty="0"/>
+          </a:p>
+        </p:txBody>
+      </p:sp>
+      <p:sp>
+        <p:nvSpPr>
+          <p:cNvPr id="4" name="Header Placeholder 3"/>
+          <p:cNvSpPr>
+            <a:spLocks noGrp="1"/>
+          </p:cNvSpPr>
+          <p:nvPr>
+            <p:ph type="hdr" sz="quarter" idx="10"/>
+          </p:nvPr>
+        </p:nvSpPr>
+        <p:spPr/>
+        <p:txBody>
+          <a:bodyPr/>
+          <a:lstStyle/>
+          <a:p>
+            <a:r>
+              <a:rPr lang="ru-RU" smtClean="0"/>
+              <a:t>Държавен изпит за придобиване на трета степен на професионална квалификация – част по теория на професията</a:t>
+            </a:r>
+            <a:endParaRPr lang="bg-BG"/>
+          </a:p>
+        </p:txBody>
+      </p:sp>
+      <p:sp>
+        <p:nvSpPr>
+          <p:cNvPr id="5" name="Slide Number Placeholder 4"/>
+          <p:cNvSpPr>
+            <a:spLocks noGrp="1"/>
+          </p:cNvSpPr>
+          <p:nvPr>
+            <p:ph type="sldNum" sz="quarter" idx="11"/>
+          </p:nvPr>
+        </p:nvSpPr>
+        <p:spPr/>
+        <p:txBody>
+          <a:bodyPr/>
+          <a:lstStyle/>
+          <a:p>
+            <a:fld id="{C207A54E-596B-47A6-8C76-2A83CDB3619E}" type="slidenum">
+              <a:rPr lang="bg-BG" smtClean="0"/>
+              <a:t>6</a:t>
+            </a:fld>
+            <a:endParaRPr lang="bg-BG"/>
+          </a:p>
+        </p:txBody>
+      </p:sp>
+    </p:spTree>
+    <p:extLst>
+      <p:ext uri="{BB962C8B-B14F-4D97-AF65-F5344CB8AC3E}">
+        <p14:creationId xmlns:p14="http://schemas.microsoft.com/office/powerpoint/2010/main" val="1181691299"/>
+      </p:ext>
+    </p:extLst>
+  </p:cSld>
+  <p:clrMapOvr>
+    <a:masterClrMapping/>
+  </p:clrMapOvr>
+</p:notes>
+</file>
+
+<file path=ppt/notesSlides/notesSlide7.xml><?xml version="1.0" encoding="utf-8"?>
+<p:notes xmlns:a="http://schemas.openxmlformats.org/drawingml/2006/main" xmlns:r="http://schemas.openxmlformats.org/officeDocument/2006/relationships" xmlns:p="http://schemas.openxmlformats.org/presentationml/2006/main">
+  <p:cSld>
+    <p:spTree>
+      <p:nvGrpSpPr>
+        <p:cNvPr id="1" name=""/>
+        <p:cNvGrpSpPr/>
+        <p:nvPr/>
+      </p:nvGrpSpPr>
+      <p:grpSpPr>
+        <a:xfrm>
+          <a:off x="0" y="0"/>
+          <a:ext cx="0" cy="0"/>
+          <a:chOff x="0" y="0"/>
+          <a:chExt cx="0" cy="0"/>
+        </a:xfrm>
+      </p:grpSpPr>
+      <p:sp>
+        <p:nvSpPr>
+          <p:cNvPr id="2" name="Slide Image Placeholder 1"/>
+          <p:cNvSpPr>
+            <a:spLocks noGrp="1" noRot="1" noChangeAspect="1"/>
+          </p:cNvSpPr>
+          <p:nvPr>
+            <p:ph type="sldImg"/>
+          </p:nvPr>
+        </p:nvSpPr>
+        <p:spPr/>
+      </p:sp>
+      <p:sp>
+        <p:nvSpPr>
+          <p:cNvPr id="3" name="Notes Placeholder 2"/>
+          <p:cNvSpPr>
+            <a:spLocks noGrp="1"/>
+          </p:cNvSpPr>
+          <p:nvPr>
+            <p:ph type="body" idx="1"/>
+          </p:nvPr>
+        </p:nvSpPr>
+        <p:spPr/>
+        <p:txBody>
+          <a:bodyPr/>
+          <a:lstStyle/>
+          <a:p>
+            <a:r>
+              <a:rPr lang="ru-RU" dirty="0" smtClean="0"/>
+              <a:t>Страниците които сайтът трябва да предоставя са „Начало“, „За нас“, „Салон“, „Резервации“ и „Контакти“. Секцията „Резервации“ е оформена като on-line форма за заявка на час и услуга. </a:t>
+            </a:r>
+          </a:p>
+          <a:p>
+            <a:r>
+              <a:rPr lang="ru-RU" dirty="0" smtClean="0"/>
+              <a:t>Bootstrap е библиотеката, която позволява да се създаде естетичен и в същото време адаптивен (responsive) дизайн</a:t>
+            </a:r>
+          </a:p>
+          <a:p>
+            <a:endParaRPr lang="bg-BG" dirty="0"/>
+          </a:p>
+        </p:txBody>
+      </p:sp>
+      <p:sp>
+        <p:nvSpPr>
+          <p:cNvPr id="4" name="Header Placeholder 3"/>
+          <p:cNvSpPr>
+            <a:spLocks noGrp="1"/>
+          </p:cNvSpPr>
+          <p:nvPr>
+            <p:ph type="hdr" sz="quarter" idx="10"/>
+          </p:nvPr>
+        </p:nvSpPr>
+        <p:spPr/>
+        <p:txBody>
+          <a:bodyPr/>
+          <a:lstStyle/>
+          <a:p>
+            <a:r>
+              <a:rPr lang="ru-RU" smtClean="0"/>
+              <a:t>Държавен изпит за придобиване на трета степен на професионална квалификация – част по теория на професията</a:t>
+            </a:r>
+            <a:endParaRPr lang="bg-BG"/>
+          </a:p>
+        </p:txBody>
+      </p:sp>
+      <p:sp>
+        <p:nvSpPr>
+          <p:cNvPr id="5" name="Slide Number Placeholder 4"/>
+          <p:cNvSpPr>
+            <a:spLocks noGrp="1"/>
+          </p:cNvSpPr>
+          <p:nvPr>
+            <p:ph type="sldNum" sz="quarter" idx="11"/>
+          </p:nvPr>
+        </p:nvSpPr>
+        <p:spPr/>
+        <p:txBody>
+          <a:bodyPr/>
+          <a:lstStyle/>
+          <a:p>
+            <a:fld id="{C207A54E-596B-47A6-8C76-2A83CDB3619E}" type="slidenum">
+              <a:rPr lang="bg-BG" smtClean="0"/>
+              <a:t>7</a:t>
+            </a:fld>
+            <a:endParaRPr lang="bg-BG"/>
+          </a:p>
+        </p:txBody>
+      </p:sp>
+    </p:spTree>
+    <p:extLst>
+      <p:ext uri="{BB962C8B-B14F-4D97-AF65-F5344CB8AC3E}">
+        <p14:creationId xmlns:p14="http://schemas.microsoft.com/office/powerpoint/2010/main" val="2018749907"/>
+      </p:ext>
+    </p:extLst>
+  </p:cSld>
+  <p:clrMapOvr>
+    <a:masterClrMapping/>
+  </p:clrMapOvr>
+</p:notes>
+</file>
+
+<file path=ppt/notesSlides/notesSlide8.xml><?xml version="1.0" encoding="utf-8"?>
+<p:notes xmlns:a="http://schemas.openxmlformats.org/drawingml/2006/main" xmlns:r="http://schemas.openxmlformats.org/officeDocument/2006/relationships" xmlns:p="http://schemas.openxmlformats.org/presentationml/2006/main">
+  <p:cSld>
+    <p:spTree>
+      <p:nvGrpSpPr>
+        <p:cNvPr id="1" name=""/>
+        <p:cNvGrpSpPr/>
+        <p:nvPr/>
+      </p:nvGrpSpPr>
+      <p:grpSpPr>
+        <a:xfrm>
+          <a:off x="0" y="0"/>
+          <a:ext cx="0" cy="0"/>
+          <a:chOff x="0" y="0"/>
+          <a:chExt cx="0" cy="0"/>
+        </a:xfrm>
+      </p:grpSpPr>
+      <p:sp>
+        <p:nvSpPr>
+          <p:cNvPr id="2" name="Slide Image Placeholder 1"/>
+          <p:cNvSpPr>
+            <a:spLocks noGrp="1" noRot="1" noChangeAspect="1"/>
+          </p:cNvSpPr>
+          <p:nvPr>
+            <p:ph type="sldImg"/>
+          </p:nvPr>
+        </p:nvSpPr>
+        <p:spPr/>
+      </p:sp>
+      <p:sp>
+        <p:nvSpPr>
+          <p:cNvPr id="3" name="Notes Placeholder 2"/>
+          <p:cNvSpPr>
+            <a:spLocks noGrp="1"/>
+          </p:cNvSpPr>
+          <p:nvPr>
+            <p:ph type="body" idx="1"/>
+          </p:nvPr>
+        </p:nvSpPr>
+        <p:spPr/>
+        <p:txBody>
+          <a:bodyPr/>
+          <a:lstStyle/>
+          <a:p>
+            <a:r>
+              <a:rPr lang="ru-RU" dirty="0" smtClean="0"/>
+              <a:t>Предвидена е проверка дали салона е в състояние в посочения час да може да предостави на клиента заявената услуга. Логиката на проверката е резлизирана в изгледите (views.py). На слайда е показана структурата на приложението и, може би, най-важният изглед  „book_now“, който от страна на сървъра обработва данните от формата за заявка за резервация.</a:t>
+            </a:r>
+            <a:endParaRPr lang="bg-BG" dirty="0"/>
+          </a:p>
+        </p:txBody>
+      </p:sp>
+      <p:sp>
+        <p:nvSpPr>
+          <p:cNvPr id="4" name="Header Placeholder 3"/>
+          <p:cNvSpPr>
+            <a:spLocks noGrp="1"/>
+          </p:cNvSpPr>
+          <p:nvPr>
+            <p:ph type="hdr" sz="quarter" idx="10"/>
+          </p:nvPr>
+        </p:nvSpPr>
+        <p:spPr/>
+        <p:txBody>
+          <a:bodyPr/>
+          <a:lstStyle/>
+          <a:p>
+            <a:r>
+              <a:rPr lang="ru-RU" smtClean="0"/>
+              <a:t>Държавен изпит за придобиване на трета степен на професионална квалификация – част по теория на професията</a:t>
+            </a:r>
+            <a:endParaRPr lang="bg-BG"/>
+          </a:p>
+        </p:txBody>
+      </p:sp>
+      <p:sp>
+        <p:nvSpPr>
+          <p:cNvPr id="5" name="Slide Number Placeholder 4"/>
+          <p:cNvSpPr>
+            <a:spLocks noGrp="1"/>
+          </p:cNvSpPr>
+          <p:nvPr>
+            <p:ph type="sldNum" sz="quarter" idx="11"/>
+          </p:nvPr>
+        </p:nvSpPr>
+        <p:spPr/>
+        <p:txBody>
+          <a:bodyPr/>
+          <a:lstStyle/>
+          <a:p>
+            <a:fld id="{C207A54E-596B-47A6-8C76-2A83CDB3619E}" type="slidenum">
+              <a:rPr lang="bg-BG" smtClean="0"/>
+              <a:t>8</a:t>
+            </a:fld>
+            <a:endParaRPr lang="bg-BG"/>
+          </a:p>
+        </p:txBody>
+      </p:sp>
+    </p:spTree>
+    <p:extLst>
+      <p:ext uri="{BB962C8B-B14F-4D97-AF65-F5344CB8AC3E}">
+        <p14:creationId xmlns:p14="http://schemas.microsoft.com/office/powerpoint/2010/main" val="3253167543"/>
+      </p:ext>
+    </p:extLst>
+  </p:cSld>
+  <p:clrMapOvr>
+    <a:masterClrMapping/>
+  </p:clrMapOvr>
+</p:notes>
+</file>
+
+<file path=ppt/notesSlides/notesSlide9.xml><?xml version="1.0" encoding="utf-8"?>
+<p:notes xmlns:a="http://schemas.openxmlformats.org/drawingml/2006/main" xmlns:r="http://schemas.openxmlformats.org/officeDocument/2006/relationships" xmlns:p="http://schemas.openxmlformats.org/presentationml/2006/main">
+  <p:cSld>
+    <p:spTree>
+      <p:nvGrpSpPr>
+        <p:cNvPr id="1" name=""/>
+        <p:cNvGrpSpPr/>
+        <p:nvPr/>
+      </p:nvGrpSpPr>
+      <p:grpSpPr>
+        <a:xfrm>
+          <a:off x="0" y="0"/>
+          <a:ext cx="0" cy="0"/>
+          <a:chOff x="0" y="0"/>
+          <a:chExt cx="0" cy="0"/>
+        </a:xfrm>
+      </p:grpSpPr>
+      <p:sp>
+        <p:nvSpPr>
+          <p:cNvPr id="2" name="Slide Image Placeholder 1"/>
+          <p:cNvSpPr>
+            <a:spLocks noGrp="1" noRot="1" noChangeAspect="1"/>
+          </p:cNvSpPr>
+          <p:nvPr>
+            <p:ph type="sldImg"/>
+          </p:nvPr>
+        </p:nvSpPr>
+        <p:spPr/>
+      </p:sp>
+      <p:sp>
+        <p:nvSpPr>
+          <p:cNvPr id="3" name="Notes Placeholder 2"/>
+          <p:cNvSpPr>
+            <a:spLocks noGrp="1"/>
+          </p:cNvSpPr>
+          <p:nvPr>
+            <p:ph type="body" idx="1"/>
+          </p:nvPr>
+        </p:nvSpPr>
+        <p:spPr/>
+        <p:txBody>
+          <a:bodyPr/>
+          <a:lstStyle/>
+          <a:p>
+            <a:r>
+              <a:rPr lang="ru-RU" dirty="0" smtClean="0"/>
+              <a:t>В заключение, дипломната работа успешно демонстрира възможностите за разработка на динамичен уеб сайт с използването на Python и Django.</a:t>
+            </a:r>
+          </a:p>
+          <a:p>
+            <a:r>
+              <a:rPr lang="ru-RU" dirty="0" smtClean="0"/>
+              <a:t>Считам, че всички поставени в заданието задачи са изпълнени. Получи се едно добро и, бих казала, напълно приложимо на практиката приложение. </a:t>
+            </a:r>
+          </a:p>
+          <a:p>
+            <a:r>
+              <a:rPr lang="ru-RU" smtClean="0"/>
+              <a:t>Възможно е да се добавят и други функции, да се оптимизират някои от компонентите и, евентуално, да се адаптира към конкретен клиент.</a:t>
+            </a:r>
+          </a:p>
+          <a:p>
+            <a:endParaRPr lang="bg-BG"/>
+          </a:p>
+        </p:txBody>
+      </p:sp>
+      <p:sp>
+        <p:nvSpPr>
+          <p:cNvPr id="4" name="Header Placeholder 3"/>
+          <p:cNvSpPr>
+            <a:spLocks noGrp="1"/>
+          </p:cNvSpPr>
+          <p:nvPr>
+            <p:ph type="hdr" sz="quarter" idx="10"/>
+          </p:nvPr>
+        </p:nvSpPr>
+        <p:spPr/>
+        <p:txBody>
+          <a:bodyPr/>
+          <a:lstStyle/>
+          <a:p>
+            <a:r>
+              <a:rPr lang="ru-RU" smtClean="0"/>
+              <a:t>Държавен изпит за придобиване на трета степен на професионална квалификация – част по теория на професията</a:t>
+            </a:r>
+            <a:endParaRPr lang="bg-BG"/>
+          </a:p>
+        </p:txBody>
+      </p:sp>
+      <p:sp>
+        <p:nvSpPr>
+          <p:cNvPr id="5" name="Slide Number Placeholder 4"/>
+          <p:cNvSpPr>
+            <a:spLocks noGrp="1"/>
+          </p:cNvSpPr>
+          <p:nvPr>
+            <p:ph type="sldNum" sz="quarter" idx="11"/>
+          </p:nvPr>
+        </p:nvSpPr>
+        <p:spPr/>
+        <p:txBody>
+          <a:bodyPr/>
+          <a:lstStyle/>
+          <a:p>
+            <a:fld id="{C207A54E-596B-47A6-8C76-2A83CDB3619E}" type="slidenum">
+              <a:rPr lang="bg-BG" smtClean="0"/>
+              <a:t>9</a:t>
+            </a:fld>
+            <a:endParaRPr lang="bg-BG"/>
+          </a:p>
+        </p:txBody>
+      </p:sp>
+    </p:spTree>
+    <p:extLst>
+      <p:ext uri="{BB962C8B-B14F-4D97-AF65-F5344CB8AC3E}">
+        <p14:creationId xmlns:p14="http://schemas.microsoft.com/office/powerpoint/2010/main" val="383688917"/>
+      </p:ext>
+    </p:extLst>
+  </p:cSld>
+  <p:clrMapOvr>
+    <a:masterClrMapping/>
+  </p:clrMapOvr>
+</p:notes>
+</file>
+
 <file path=ppt/slideLayouts/slideLayout1.xml><?xml version="1.0" encoding="utf-8"?>
 <p:sldLayout xmlns:a="http://schemas.openxmlformats.org/drawingml/2006/main" xmlns:r="http://schemas.openxmlformats.org/officeDocument/2006/relationships" xmlns:p="http://schemas.openxmlformats.org/presentationml/2006/main" showMasterSp="0" type="title" preserve="1">
   <p:cSld name="Title Slide">
@@ -852,7 +1954,7 @@
           <a:p>
             <a:fld id="{35131DE2-218C-4B73-8519-0AC6B795ABB7}" type="datetime1">
               <a:rPr lang="bg-BG" smtClean="0"/>
-              <a:t>6.5.2024 г.</a:t>
+              <a:t>12.5.2024 г.</a:t>
             </a:fld>
             <a:endParaRPr lang="bg-BG"/>
           </a:p>
@@ -1288,7 +2390,7 @@
           <a:p>
             <a:fld id="{67AE9758-D769-4E42-94B1-23A9DCC9867C}" type="datetime1">
               <a:rPr lang="bg-BG" smtClean="0"/>
-              <a:t>6.5.2024 г.</a:t>
+              <a:t>12.5.2024 г.</a:t>
             </a:fld>
             <a:endParaRPr lang="bg-BG"/>
           </a:p>
@@ -1536,7 +2638,7 @@
           <a:p>
             <a:fld id="{361CDE65-46CB-451E-8567-0EF192A9D732}" type="datetime1">
               <a:rPr lang="bg-BG" smtClean="0"/>
-              <a:t>6.5.2024 г.</a:t>
+              <a:t>12.5.2024 г.</a:t>
             </a:fld>
             <a:endParaRPr lang="bg-BG"/>
           </a:p>
@@ -1842,7 +2944,7 @@
           <a:p>
             <a:fld id="{D287CBD5-1E22-4483-96D4-57E0B76752DD}" type="datetime1">
               <a:rPr lang="bg-BG" smtClean="0"/>
-              <a:t>6.5.2024 г.</a:t>
+              <a:t>12.5.2024 г.</a:t>
             </a:fld>
             <a:endParaRPr lang="bg-BG"/>
           </a:p>
@@ -2158,7 +3260,7 @@
           <a:p>
             <a:fld id="{D3094294-E651-4CD3-A3DF-7A7AB89AC69B}" type="datetime1">
               <a:rPr lang="bg-BG" smtClean="0"/>
-              <a:t>6.5.2024 г.</a:t>
+              <a:t>12.5.2024 г.</a:t>
             </a:fld>
             <a:endParaRPr lang="bg-BG"/>
           </a:p>
@@ -2458,7 +3560,7 @@
           <a:p>
             <a:fld id="{932255A1-F527-46F0-99C9-DFA36BA8601D}" type="datetime1">
               <a:rPr lang="bg-BG" smtClean="0"/>
-              <a:t>6.5.2024 г.</a:t>
+              <a:t>12.5.2024 г.</a:t>
             </a:fld>
             <a:endParaRPr lang="bg-BG"/>
           </a:p>
@@ -2823,7 +3925,7 @@
           <a:p>
             <a:fld id="{0E7071DD-522F-4D77-BE61-F38AB7575637}" type="datetime1">
               <a:rPr lang="bg-BG" smtClean="0"/>
-              <a:t>6.5.2024 г.</a:t>
+              <a:t>12.5.2024 г.</a:t>
             </a:fld>
             <a:endParaRPr lang="bg-BG"/>
           </a:p>
@@ -2997,7 +4099,7 @@
           <a:p>
             <a:fld id="{CDC45E06-93C7-43C9-B7FB-34EC0908E527}" type="datetime1">
               <a:rPr lang="bg-BG" smtClean="0"/>
-              <a:t>6.5.2024 г.</a:t>
+              <a:t>12.5.2024 г.</a:t>
             </a:fld>
             <a:endParaRPr lang="bg-BG"/>
           </a:p>
@@ -3177,7 +4279,7 @@
           <a:p>
             <a:fld id="{64A7E241-AB17-460C-B661-3CFB883EB2DA}" type="datetime1">
               <a:rPr lang="bg-BG" smtClean="0"/>
-              <a:t>6.5.2024 г.</a:t>
+              <a:t>12.5.2024 г.</a:t>
             </a:fld>
             <a:endParaRPr lang="bg-BG"/>
           </a:p>
@@ -3347,7 +4449,7 @@
           <a:p>
             <a:fld id="{C21DB74F-2AB8-46EB-BED7-A8C750A71025}" type="datetime1">
               <a:rPr lang="bg-BG" smtClean="0"/>
-              <a:t>6.5.2024 г.</a:t>
+              <a:t>12.5.2024 г.</a:t>
             </a:fld>
             <a:endParaRPr lang="bg-BG"/>
           </a:p>
@@ -3595,7 +4697,7 @@
           <a:p>
             <a:fld id="{2AE1A56C-8EEB-43C4-A8F0-806BF8CF2AEC}" type="datetime1">
               <a:rPr lang="bg-BG" smtClean="0"/>
-              <a:t>6.5.2024 г.</a:t>
+              <a:t>12.5.2024 г.</a:t>
             </a:fld>
             <a:endParaRPr lang="bg-BG"/>
           </a:p>
@@ -3831,7 +4933,7 @@
           <a:p>
             <a:fld id="{02676ED8-EEFC-4B6E-BB5B-436BD000202F}" type="datetime1">
               <a:rPr lang="bg-BG" smtClean="0"/>
-              <a:t>6.5.2024 г.</a:t>
+              <a:t>12.5.2024 г.</a:t>
             </a:fld>
             <a:endParaRPr lang="bg-BG"/>
           </a:p>
@@ -4213,7 +5315,7 @@
           <a:p>
             <a:fld id="{F5F188DB-FD8C-4D18-9FD8-A2D3B5A7C832}" type="datetime1">
               <a:rPr lang="bg-BG" smtClean="0"/>
-              <a:t>6.5.2024 г.</a:t>
+              <a:t>12.5.2024 г.</a:t>
             </a:fld>
             <a:endParaRPr lang="bg-BG"/>
           </a:p>
@@ -4331,7 +5433,7 @@
           <a:p>
             <a:fld id="{E58AF1C6-A3EA-4A59-9FD7-F4A11AE1F98A}" type="datetime1">
               <a:rPr lang="bg-BG" smtClean="0"/>
-              <a:t>6.5.2024 г.</a:t>
+              <a:t>12.5.2024 г.</a:t>
             </a:fld>
             <a:endParaRPr lang="bg-BG"/>
           </a:p>
@@ -4426,7 +5528,7 @@
           <a:p>
             <a:fld id="{53BDAEE0-5349-40EF-B3F5-0BA9A1E1EFEF}" type="datetime1">
               <a:rPr lang="bg-BG" smtClean="0"/>
-              <a:t>6.5.2024 г.</a:t>
+              <a:t>12.5.2024 г.</a:t>
             </a:fld>
             <a:endParaRPr lang="bg-BG"/>
           </a:p>
@@ -4681,7 +5783,7 @@
           <a:p>
             <a:fld id="{64DAFD57-B32E-45D7-95B6-E4EDC9F1E2F7}" type="datetime1">
               <a:rPr lang="bg-BG" smtClean="0"/>
-              <a:t>6.5.2024 г.</a:t>
+              <a:t>12.5.2024 г.</a:t>
             </a:fld>
             <a:endParaRPr lang="bg-BG"/>
           </a:p>
@@ -4964,7 +6066,7 @@
           <a:p>
             <a:fld id="{DBDD5AD2-BC0A-45A8-AC6F-715DE9ECA970}" type="datetime1">
               <a:rPr lang="bg-BG" smtClean="0"/>
-              <a:t>6.5.2024 г.</a:t>
+              <a:t>12.5.2024 г.</a:t>
             </a:fld>
             <a:endParaRPr lang="bg-BG"/>
           </a:p>
@@ -5370,7 +6472,7 @@
           <a:p>
             <a:fld id="{E59B4EEE-A5C8-4A54-856F-C3B6491BFA94}" type="datetime1">
               <a:rPr lang="bg-BG" smtClean="0"/>
-              <a:t>6.5.2024 г.</a:t>
+              <a:t>12.5.2024 г.</a:t>
             </a:fld>
             <a:endParaRPr lang="bg-BG"/>
           </a:p>
@@ -5897,7 +6999,7 @@
           <p:nvPr/>
         </p:nvPicPr>
         <p:blipFill>
-          <a:blip r:embed="rId2">
+          <a:blip r:embed="rId3">
             <a:extLst>
               <a:ext uri="{28A0092B-C50C-407E-A947-70E740481C1C}">
                 <a14:useLocalDpi xmlns:a14="http://schemas.microsoft.com/office/drawing/2010/main" val="0"/>
@@ -6306,6 +7408,36 @@
           <a:chExt cx="0" cy="0"/>
         </a:xfrm>
       </p:grpSpPr>
+      <p:sp>
+        <p:nvSpPr>
+          <p:cNvPr id="3" name="TextBox 2"/>
+          <p:cNvSpPr txBox="1"/>
+          <p:nvPr/>
+        </p:nvSpPr>
+        <p:spPr>
+          <a:xfrm>
+            <a:off x="1037230" y="736979"/>
+            <a:ext cx="731290" cy="369332"/>
+          </a:xfrm>
+          <a:prstGeom prst="rect">
+            <a:avLst/>
+          </a:prstGeom>
+          <a:noFill/>
+        </p:spPr>
+        <p:txBody>
+          <a:bodyPr wrap="none" rtlCol="0">
+            <a:spAutoFit/>
+          </a:bodyPr>
+          <a:lstStyle/>
+          <a:p>
+            <a:r>
+              <a:rPr lang="bg-BG" dirty="0" smtClean="0"/>
+              <a:t>Увод</a:t>
+            </a:r>
+            <a:endParaRPr lang="bg-BG" dirty="0"/>
+          </a:p>
+        </p:txBody>
+      </p:sp>
     </p:spTree>
     <p:extLst>
       <p:ext uri="{BB962C8B-B14F-4D97-AF65-F5344CB8AC3E}">
@@ -6336,6 +7468,44 @@
           <a:chExt cx="0" cy="0"/>
         </a:xfrm>
       </p:grpSpPr>
+      <p:sp>
+        <p:nvSpPr>
+          <p:cNvPr id="2" name="TextBox 1"/>
+          <p:cNvSpPr txBox="1"/>
+          <p:nvPr/>
+        </p:nvSpPr>
+        <p:spPr>
+          <a:xfrm>
+            <a:off x="1405719" y="900752"/>
+            <a:ext cx="2114681" cy="369332"/>
+          </a:xfrm>
+          <a:prstGeom prst="rect">
+            <a:avLst/>
+          </a:prstGeom>
+          <a:noFill/>
+        </p:spPr>
+        <p:txBody>
+          <a:bodyPr wrap="none" rtlCol="0">
+            <a:spAutoFit/>
+          </a:bodyPr>
+          <a:lstStyle/>
+          <a:p>
+            <a:r>
+              <a:rPr lang="bg-BG" dirty="0"/>
+              <a:t>:</a:t>
+            </a:r>
+            <a:r>
+              <a:rPr lang="en-US" dirty="0"/>
+              <a:t> WWW - </a:t>
+            </a:r>
+            <a:r>
+              <a:rPr lang="bg-BG" dirty="0"/>
+              <a:t>история</a:t>
+            </a:r>
+            <a:endParaRPr lang="bg-BG" dirty="0"/>
+          </a:p>
+        </p:txBody>
+      </p:sp>
     </p:spTree>
     <p:extLst>
       <p:ext uri="{BB962C8B-B14F-4D97-AF65-F5344CB8AC3E}">
@@ -6366,6 +7536,46 @@
           <a:chExt cx="0" cy="0"/>
         </a:xfrm>
       </p:grpSpPr>
+      <p:sp>
+        <p:nvSpPr>
+          <p:cNvPr id="2" name="Rectangle 1"/>
+          <p:cNvSpPr/>
+          <p:nvPr/>
+        </p:nvSpPr>
+        <p:spPr>
+          <a:xfrm>
+            <a:off x="598616" y="501134"/>
+            <a:ext cx="3461204" cy="369332"/>
+          </a:xfrm>
+          <a:prstGeom prst="rect">
+            <a:avLst/>
+          </a:prstGeom>
+        </p:spPr>
+        <p:txBody>
+          <a:bodyPr wrap="none">
+            <a:spAutoFit/>
+          </a:bodyPr>
+          <a:lstStyle/>
+          <a:p>
+            <a:r>
+              <a:rPr lang="en-US" dirty="0"/>
+              <a:t>Python </a:t>
+            </a:r>
+            <a:r>
+              <a:rPr lang="bg-BG" dirty="0"/>
+              <a:t>и </a:t>
+            </a:r>
+            <a:r>
+              <a:rPr lang="en-US" dirty="0"/>
+              <a:t>Django - </a:t>
+            </a:r>
+            <a:r>
+              <a:rPr lang="bg-BG" dirty="0"/>
+              <a:t>въведение</a:t>
+            </a:r>
+          </a:p>
+        </p:txBody>
+      </p:sp>
     </p:spTree>
     <p:extLst>
       <p:ext uri="{BB962C8B-B14F-4D97-AF65-F5344CB8AC3E}">
@@ -6396,6 +7606,38 @@
           <a:chExt cx="0" cy="0"/>
         </a:xfrm>
       </p:grpSpPr>
+      <p:sp>
+        <p:nvSpPr>
+          <p:cNvPr id="2" name="Rectangle 1"/>
+          <p:cNvSpPr/>
+          <p:nvPr/>
+        </p:nvSpPr>
+        <p:spPr>
+          <a:xfrm>
+            <a:off x="449048" y="555725"/>
+            <a:ext cx="2177199" cy="369332"/>
+          </a:xfrm>
+          <a:prstGeom prst="rect">
+            <a:avLst/>
+          </a:prstGeom>
+        </p:spPr>
+        <p:txBody>
+          <a:bodyPr wrap="none">
+            <a:spAutoFit/>
+          </a:bodyPr>
+          <a:lstStyle/>
+          <a:p>
+            <a:r>
+              <a:rPr lang="en-US" dirty="0"/>
+              <a:t>HTML </a:t>
+            </a:r>
+            <a:r>
+              <a:rPr lang="bg-BG" dirty="0"/>
+              <a:t>и компания</a:t>
+            </a:r>
+          </a:p>
+        </p:txBody>
+      </p:sp>
     </p:spTree>
     <p:extLst>
       <p:ext uri="{BB962C8B-B14F-4D97-AF65-F5344CB8AC3E}">
@@ -6426,6 +7668,34 @@
           <a:chExt cx="0" cy="0"/>
         </a:xfrm>
       </p:grpSpPr>
+      <p:sp>
+        <p:nvSpPr>
+          <p:cNvPr id="2" name="Rectangle 1"/>
+          <p:cNvSpPr/>
+          <p:nvPr/>
+        </p:nvSpPr>
+        <p:spPr>
+          <a:xfrm>
+            <a:off x="646239" y="542078"/>
+            <a:ext cx="2792752" cy="369332"/>
+          </a:xfrm>
+          <a:prstGeom prst="rect">
+            <a:avLst/>
+          </a:prstGeom>
+        </p:spPr>
+        <p:txBody>
+          <a:bodyPr wrap="none">
+            <a:spAutoFit/>
+          </a:bodyPr>
+          <a:lstStyle/>
+          <a:p>
+            <a:r>
+              <a:rPr lang="bg-BG" dirty="0"/>
+              <a:t>Изборът на технология</a:t>
+            </a:r>
+          </a:p>
+        </p:txBody>
+      </p:sp>
     </p:spTree>
     <p:extLst>
       <p:ext uri="{BB962C8B-B14F-4D97-AF65-F5344CB8AC3E}">
@@ -6456,6 +7726,34 @@
           <a:chExt cx="0" cy="0"/>
         </a:xfrm>
       </p:grpSpPr>
+      <p:sp>
+        <p:nvSpPr>
+          <p:cNvPr id="2" name="Rectangle 1"/>
+          <p:cNvSpPr/>
+          <p:nvPr/>
+        </p:nvSpPr>
+        <p:spPr>
+          <a:xfrm>
+            <a:off x="341825" y="473838"/>
+            <a:ext cx="1627369" cy="369332"/>
+          </a:xfrm>
+          <a:prstGeom prst="rect">
+            <a:avLst/>
+          </a:prstGeom>
+        </p:spPr>
+        <p:txBody>
+          <a:bodyPr wrap="none">
+            <a:spAutoFit/>
+          </a:bodyPr>
+          <a:lstStyle/>
+          <a:p>
+            <a:r>
+              <a:rPr lang="bg-BG" dirty="0"/>
+              <a:t>Структурата</a:t>
+            </a:r>
+          </a:p>
+        </p:txBody>
+      </p:sp>
     </p:spTree>
     <p:extLst>
       <p:ext uri="{BB962C8B-B14F-4D97-AF65-F5344CB8AC3E}">
@@ -6486,6 +7784,38 @@
           <a:chExt cx="0" cy="0"/>
         </a:xfrm>
       </p:grpSpPr>
+      <p:sp>
+        <p:nvSpPr>
+          <p:cNvPr id="2" name="Rectangle 1"/>
+          <p:cNvSpPr/>
+          <p:nvPr/>
+        </p:nvSpPr>
+        <p:spPr>
+          <a:xfrm>
+            <a:off x="379096" y="473838"/>
+            <a:ext cx="2044149" cy="369332"/>
+          </a:xfrm>
+          <a:prstGeom prst="rect">
+            <a:avLst/>
+          </a:prstGeom>
+        </p:spPr>
+        <p:txBody>
+          <a:bodyPr wrap="none">
+            <a:spAutoFit/>
+          </a:bodyPr>
+          <a:lstStyle/>
+          <a:p>
+            <a:r>
+              <a:rPr lang="en-US" dirty="0"/>
+              <a:t>Backend </a:t>
+            </a:r>
+            <a:r>
+              <a:rPr lang="bg-BG" dirty="0"/>
+              <a:t>поглед</a:t>
+            </a:r>
+          </a:p>
+        </p:txBody>
+      </p:sp>
     </p:spTree>
     <p:extLst>
       <p:ext uri="{BB962C8B-B14F-4D97-AF65-F5344CB8AC3E}">
@@ -6516,6 +7846,35 @@
           <a:chExt cx="0" cy="0"/>
         </a:xfrm>
       </p:grpSpPr>
+      <p:sp>
+        <p:nvSpPr>
+          <p:cNvPr id="2" name="Rectangle 1"/>
+          <p:cNvSpPr/>
+          <p:nvPr/>
+        </p:nvSpPr>
+        <p:spPr>
+          <a:xfrm>
+            <a:off x="448580" y="528430"/>
+            <a:ext cx="1664238" cy="369332"/>
+          </a:xfrm>
+          <a:prstGeom prst="rect">
+            <a:avLst/>
+          </a:prstGeom>
+        </p:spPr>
+        <p:txBody>
+          <a:bodyPr wrap="none">
+            <a:spAutoFit/>
+          </a:bodyPr>
+          <a:lstStyle/>
+          <a:p>
+            <a:r>
+              <a:rPr lang="bg-BG" dirty="0" smtClean="0"/>
+              <a:t>Заключение </a:t>
+            </a:r>
+            <a:endParaRPr lang="bg-BG" dirty="0"/>
+          </a:p>
+        </p:txBody>
+      </p:sp>
     </p:spTree>
     <p:extLst>
       <p:ext uri="{BB962C8B-B14F-4D97-AF65-F5344CB8AC3E}">
